--- a/Lectures/lec02-seq_ckt_design/lab02-digit_lock.pptx
+++ b/Lectures/lec02-seq_ckt_design/lab02-digit_lock.pptx
@@ -11,8 +11,6 @@
     <p:sldId id="259" r:id="rId5"/>
     <p:sldId id="262" r:id="rId6"/>
     <p:sldId id="263" r:id="rId7"/>
-    <p:sldId id="260" r:id="rId8"/>
-    <p:sldId id="261" r:id="rId9"/>
   </p:sldIdLst>
   <p:sldSz cx="9144000" cy="6858000" type="screen4x3"/>
   <p:notesSz cx="6858000" cy="9144000"/>
@@ -357,7 +355,7 @@
                 <a:pPr eaLnBrk="1" hangingPunct="1">
                   <a:defRPr/>
                 </a:pPr>
-                <a:endParaRPr lang="zh-TW" altLang="en-US" smtClean="0"/>
+                <a:endParaRPr lang="zh-TW" altLang="en-US"/>
               </a:p>
             </p:txBody>
           </p:sp>
@@ -517,7 +515,7 @@
                 <a:pPr eaLnBrk="1" hangingPunct="1">
                   <a:defRPr/>
                 </a:pPr>
-                <a:endParaRPr lang="zh-TW" altLang="en-US" smtClean="0"/>
+                <a:endParaRPr lang="zh-TW" altLang="en-US"/>
               </a:p>
             </p:txBody>
           </p:sp>
@@ -686,7 +684,7 @@
                 <a:pPr eaLnBrk="1" hangingPunct="1">
                   <a:defRPr/>
                 </a:pPr>
-                <a:endParaRPr lang="zh-TW" altLang="en-US" smtClean="0"/>
+                <a:endParaRPr lang="zh-TW" altLang="en-US"/>
               </a:p>
             </p:txBody>
           </p:sp>
@@ -846,7 +844,7 @@
                 <a:pPr eaLnBrk="1" hangingPunct="1">
                   <a:defRPr/>
                 </a:pPr>
-                <a:endParaRPr lang="zh-TW" altLang="en-US" smtClean="0"/>
+                <a:endParaRPr lang="zh-TW" altLang="en-US"/>
               </a:p>
             </p:txBody>
           </p:sp>
@@ -1007,7 +1005,7 @@
               <a:pPr eaLnBrk="1" hangingPunct="1">
                 <a:defRPr/>
               </a:pPr>
-              <a:endParaRPr lang="zh-TW" altLang="en-US" smtClean="0"/>
+              <a:endParaRPr lang="zh-TW" altLang="en-US"/>
             </a:p>
           </p:txBody>
         </p:sp>
@@ -1159,7 +1157,7 @@
               <a:pPr eaLnBrk="1" hangingPunct="1">
                 <a:defRPr/>
               </a:pPr>
-              <a:endParaRPr lang="zh-TW" altLang="en-US" smtClean="0"/>
+              <a:endParaRPr lang="zh-TW" altLang="en-US"/>
             </a:p>
           </p:txBody>
         </p:sp>
@@ -1319,7 +1317,7 @@
               <a:pPr eaLnBrk="1" hangingPunct="1">
                 <a:defRPr/>
               </a:pPr>
-              <a:endParaRPr lang="zh-TW" altLang="en-US" smtClean="0"/>
+              <a:endParaRPr lang="zh-TW" altLang="en-US"/>
             </a:p>
           </p:txBody>
         </p:sp>
@@ -1546,10 +1544,9 @@
           <a:lstStyle/>
           <a:p>
             <a:r>
-              <a:rPr lang="zh-TW" altLang="en-US" smtClean="0"/>
+              <a:rPr lang="zh-TW" altLang="en-US"/>
               <a:t>按一下以編輯母片標題樣式</a:t>
             </a:r>
-            <a:endParaRPr lang="zh-TW" altLang="en-US"/>
           </a:p>
         </p:txBody>
       </p:sp>
@@ -1570,38 +1567,37 @@
           <a:p>
             <a:pPr lvl="0"/>
             <a:r>
-              <a:rPr lang="zh-TW" altLang="en-US" smtClean="0"/>
+              <a:rPr lang="zh-TW" altLang="en-US"/>
               <a:t>按一下以編輯母片文字樣式</a:t>
             </a:r>
           </a:p>
           <a:p>
             <a:pPr lvl="1"/>
             <a:r>
-              <a:rPr lang="zh-TW" altLang="en-US" smtClean="0"/>
+              <a:rPr lang="zh-TW" altLang="en-US"/>
               <a:t>第二層</a:t>
             </a:r>
           </a:p>
           <a:p>
             <a:pPr lvl="2"/>
             <a:r>
-              <a:rPr lang="zh-TW" altLang="en-US" smtClean="0"/>
+              <a:rPr lang="zh-TW" altLang="en-US"/>
               <a:t>第三層</a:t>
             </a:r>
           </a:p>
           <a:p>
             <a:pPr lvl="3"/>
             <a:r>
-              <a:rPr lang="zh-TW" altLang="en-US" smtClean="0"/>
+              <a:rPr lang="zh-TW" altLang="en-US"/>
               <a:t>第四層</a:t>
             </a:r>
           </a:p>
           <a:p>
             <a:pPr lvl="4"/>
             <a:r>
-              <a:rPr lang="zh-TW" altLang="en-US" smtClean="0"/>
+              <a:rPr lang="zh-TW" altLang="en-US"/>
               <a:t>第五層</a:t>
             </a:r>
-            <a:endParaRPr lang="zh-TW" altLang="en-US"/>
           </a:p>
         </p:txBody>
       </p:sp>
@@ -1747,10 +1743,9 @@
           <a:lstStyle/>
           <a:p>
             <a:r>
-              <a:rPr lang="zh-TW" altLang="en-US" smtClean="0"/>
+              <a:rPr lang="zh-TW" altLang="en-US"/>
               <a:t>按一下以編輯母片標題樣式</a:t>
             </a:r>
-            <a:endParaRPr lang="zh-TW" altLang="en-US"/>
           </a:p>
         </p:txBody>
       </p:sp>
@@ -1776,38 +1771,37 @@
           <a:p>
             <a:pPr lvl="0"/>
             <a:r>
-              <a:rPr lang="zh-TW" altLang="en-US" smtClean="0"/>
+              <a:rPr lang="zh-TW" altLang="en-US"/>
               <a:t>按一下以編輯母片文字樣式</a:t>
             </a:r>
           </a:p>
           <a:p>
             <a:pPr lvl="1"/>
             <a:r>
-              <a:rPr lang="zh-TW" altLang="en-US" smtClean="0"/>
+              <a:rPr lang="zh-TW" altLang="en-US"/>
               <a:t>第二層</a:t>
             </a:r>
           </a:p>
           <a:p>
             <a:pPr lvl="2"/>
             <a:r>
-              <a:rPr lang="zh-TW" altLang="en-US" smtClean="0"/>
+              <a:rPr lang="zh-TW" altLang="en-US"/>
               <a:t>第三層</a:t>
             </a:r>
           </a:p>
           <a:p>
             <a:pPr lvl="3"/>
             <a:r>
-              <a:rPr lang="zh-TW" altLang="en-US" smtClean="0"/>
+              <a:rPr lang="zh-TW" altLang="en-US"/>
               <a:t>第四層</a:t>
             </a:r>
           </a:p>
           <a:p>
             <a:pPr lvl="4"/>
             <a:r>
-              <a:rPr lang="zh-TW" altLang="en-US" smtClean="0"/>
+              <a:rPr lang="zh-TW" altLang="en-US"/>
               <a:t>第五層</a:t>
             </a:r>
-            <a:endParaRPr lang="zh-TW" altLang="en-US"/>
           </a:p>
         </p:txBody>
       </p:sp>
@@ -1948,10 +1942,9 @@
           <a:lstStyle/>
           <a:p>
             <a:r>
-              <a:rPr lang="zh-TW" altLang="en-US" smtClean="0"/>
+              <a:rPr lang="zh-TW" altLang="en-US"/>
               <a:t>按一下以編輯母片標題樣式</a:t>
             </a:r>
-            <a:endParaRPr lang="zh-TW" altLang="en-US"/>
           </a:p>
         </p:txBody>
       </p:sp>
@@ -1972,38 +1965,37 @@
           <a:p>
             <a:pPr lvl="0"/>
             <a:r>
-              <a:rPr lang="zh-TW" altLang="en-US" smtClean="0"/>
+              <a:rPr lang="zh-TW" altLang="en-US"/>
               <a:t>按一下以編輯母片文字樣式</a:t>
             </a:r>
           </a:p>
           <a:p>
             <a:pPr lvl="1"/>
             <a:r>
-              <a:rPr lang="zh-TW" altLang="en-US" smtClean="0"/>
+              <a:rPr lang="zh-TW" altLang="en-US"/>
               <a:t>第二層</a:t>
             </a:r>
           </a:p>
           <a:p>
             <a:pPr lvl="2"/>
             <a:r>
-              <a:rPr lang="zh-TW" altLang="en-US" smtClean="0"/>
+              <a:rPr lang="zh-TW" altLang="en-US"/>
               <a:t>第三層</a:t>
             </a:r>
           </a:p>
           <a:p>
             <a:pPr lvl="3"/>
             <a:r>
-              <a:rPr lang="zh-TW" altLang="en-US" smtClean="0"/>
+              <a:rPr lang="zh-TW" altLang="en-US"/>
               <a:t>第四層</a:t>
             </a:r>
           </a:p>
           <a:p>
             <a:pPr lvl="4"/>
             <a:r>
-              <a:rPr lang="zh-TW" altLang="en-US" smtClean="0"/>
+              <a:rPr lang="zh-TW" altLang="en-US"/>
               <a:t>第五層</a:t>
             </a:r>
-            <a:endParaRPr lang="zh-TW" altLang="en-US"/>
           </a:p>
         </p:txBody>
       </p:sp>
@@ -2153,10 +2145,9 @@
           </a:lstStyle>
           <a:p>
             <a:r>
-              <a:rPr lang="zh-TW" altLang="en-US" smtClean="0"/>
+              <a:rPr lang="zh-TW" altLang="en-US"/>
               <a:t>按一下以編輯母片標題樣式</a:t>
             </a:r>
-            <a:endParaRPr lang="zh-TW" altLang="en-US"/>
           </a:p>
         </p:txBody>
       </p:sp>
@@ -2219,7 +2210,7 @@
           <a:p>
             <a:pPr lvl="0"/>
             <a:r>
-              <a:rPr lang="zh-TW" altLang="en-US" smtClean="0"/>
+              <a:rPr lang="zh-TW" altLang="en-US"/>
               <a:t>按一下以編輯母片文字樣式</a:t>
             </a:r>
           </a:p>
@@ -2362,10 +2353,9 @@
           <a:lstStyle/>
           <a:p>
             <a:r>
-              <a:rPr lang="zh-TW" altLang="en-US" smtClean="0"/>
+              <a:rPr lang="zh-TW" altLang="en-US"/>
               <a:t>按一下以編輯母片標題樣式</a:t>
             </a:r>
-            <a:endParaRPr lang="zh-TW" altLang="en-US"/>
           </a:p>
         </p:txBody>
       </p:sp>
@@ -2419,38 +2409,37 @@
           <a:p>
             <a:pPr lvl="0"/>
             <a:r>
-              <a:rPr lang="zh-TW" altLang="en-US" smtClean="0"/>
+              <a:rPr lang="zh-TW" altLang="en-US"/>
               <a:t>按一下以編輯母片文字樣式</a:t>
             </a:r>
           </a:p>
           <a:p>
             <a:pPr lvl="1"/>
             <a:r>
-              <a:rPr lang="zh-TW" altLang="en-US" smtClean="0"/>
+              <a:rPr lang="zh-TW" altLang="en-US"/>
               <a:t>第二層</a:t>
             </a:r>
           </a:p>
           <a:p>
             <a:pPr lvl="2"/>
             <a:r>
-              <a:rPr lang="zh-TW" altLang="en-US" smtClean="0"/>
+              <a:rPr lang="zh-TW" altLang="en-US"/>
               <a:t>第三層</a:t>
             </a:r>
           </a:p>
           <a:p>
             <a:pPr lvl="3"/>
             <a:r>
-              <a:rPr lang="zh-TW" altLang="en-US" smtClean="0"/>
+              <a:rPr lang="zh-TW" altLang="en-US"/>
               <a:t>第四層</a:t>
             </a:r>
           </a:p>
           <a:p>
             <a:pPr lvl="4"/>
             <a:r>
-              <a:rPr lang="zh-TW" altLang="en-US" smtClean="0"/>
+              <a:rPr lang="zh-TW" altLang="en-US"/>
               <a:t>第五層</a:t>
             </a:r>
-            <a:endParaRPr lang="zh-TW" altLang="en-US"/>
           </a:p>
         </p:txBody>
       </p:sp>
@@ -2504,38 +2493,37 @@
           <a:p>
             <a:pPr lvl="0"/>
             <a:r>
-              <a:rPr lang="zh-TW" altLang="en-US" smtClean="0"/>
+              <a:rPr lang="zh-TW" altLang="en-US"/>
               <a:t>按一下以編輯母片文字樣式</a:t>
             </a:r>
           </a:p>
           <a:p>
             <a:pPr lvl="1"/>
             <a:r>
-              <a:rPr lang="zh-TW" altLang="en-US" smtClean="0"/>
+              <a:rPr lang="zh-TW" altLang="en-US"/>
               <a:t>第二層</a:t>
             </a:r>
           </a:p>
           <a:p>
             <a:pPr lvl="2"/>
             <a:r>
-              <a:rPr lang="zh-TW" altLang="en-US" smtClean="0"/>
+              <a:rPr lang="zh-TW" altLang="en-US"/>
               <a:t>第三層</a:t>
             </a:r>
           </a:p>
           <a:p>
             <a:pPr lvl="3"/>
             <a:r>
-              <a:rPr lang="zh-TW" altLang="en-US" smtClean="0"/>
+              <a:rPr lang="zh-TW" altLang="en-US"/>
               <a:t>第四層</a:t>
             </a:r>
           </a:p>
           <a:p>
             <a:pPr lvl="4"/>
             <a:r>
-              <a:rPr lang="zh-TW" altLang="en-US" smtClean="0"/>
+              <a:rPr lang="zh-TW" altLang="en-US"/>
               <a:t>第五層</a:t>
             </a:r>
-            <a:endParaRPr lang="zh-TW" altLang="en-US"/>
           </a:p>
         </p:txBody>
       </p:sp>
@@ -2685,10 +2673,9 @@
           </a:lstStyle>
           <a:p>
             <a:r>
-              <a:rPr lang="zh-TW" altLang="en-US" smtClean="0"/>
+              <a:rPr lang="zh-TW" altLang="en-US"/>
               <a:t>按一下以編輯母片標題樣式</a:t>
             </a:r>
-            <a:endParaRPr lang="zh-TW" altLang="en-US"/>
           </a:p>
         </p:txBody>
       </p:sp>
@@ -2751,7 +2738,7 @@
           <a:p>
             <a:pPr lvl="0"/>
             <a:r>
-              <a:rPr lang="zh-TW" altLang="en-US" smtClean="0"/>
+              <a:rPr lang="zh-TW" altLang="en-US"/>
               <a:t>按一下以編輯母片文字樣式</a:t>
             </a:r>
           </a:p>
@@ -2807,38 +2794,37 @@
           <a:p>
             <a:pPr lvl="0"/>
             <a:r>
-              <a:rPr lang="zh-TW" altLang="en-US" smtClean="0"/>
+              <a:rPr lang="zh-TW" altLang="en-US"/>
               <a:t>按一下以編輯母片文字樣式</a:t>
             </a:r>
           </a:p>
           <a:p>
             <a:pPr lvl="1"/>
             <a:r>
-              <a:rPr lang="zh-TW" altLang="en-US" smtClean="0"/>
+              <a:rPr lang="zh-TW" altLang="en-US"/>
               <a:t>第二層</a:t>
             </a:r>
           </a:p>
           <a:p>
             <a:pPr lvl="2"/>
             <a:r>
-              <a:rPr lang="zh-TW" altLang="en-US" smtClean="0"/>
+              <a:rPr lang="zh-TW" altLang="en-US"/>
               <a:t>第三層</a:t>
             </a:r>
           </a:p>
           <a:p>
             <a:pPr lvl="3"/>
             <a:r>
-              <a:rPr lang="zh-TW" altLang="en-US" smtClean="0"/>
+              <a:rPr lang="zh-TW" altLang="en-US"/>
               <a:t>第四層</a:t>
             </a:r>
           </a:p>
           <a:p>
             <a:pPr lvl="4"/>
             <a:r>
-              <a:rPr lang="zh-TW" altLang="en-US" smtClean="0"/>
+              <a:rPr lang="zh-TW" altLang="en-US"/>
               <a:t>第五層</a:t>
             </a:r>
-            <a:endParaRPr lang="zh-TW" altLang="en-US"/>
           </a:p>
         </p:txBody>
       </p:sp>
@@ -2901,7 +2887,7 @@
           <a:p>
             <a:pPr lvl="0"/>
             <a:r>
-              <a:rPr lang="zh-TW" altLang="en-US" smtClean="0"/>
+              <a:rPr lang="zh-TW" altLang="en-US"/>
               <a:t>按一下以編輯母片文字樣式</a:t>
             </a:r>
           </a:p>
@@ -2957,38 +2943,37 @@
           <a:p>
             <a:pPr lvl="0"/>
             <a:r>
-              <a:rPr lang="zh-TW" altLang="en-US" smtClean="0"/>
+              <a:rPr lang="zh-TW" altLang="en-US"/>
               <a:t>按一下以編輯母片文字樣式</a:t>
             </a:r>
           </a:p>
           <a:p>
             <a:pPr lvl="1"/>
             <a:r>
-              <a:rPr lang="zh-TW" altLang="en-US" smtClean="0"/>
+              <a:rPr lang="zh-TW" altLang="en-US"/>
               <a:t>第二層</a:t>
             </a:r>
           </a:p>
           <a:p>
             <a:pPr lvl="2"/>
             <a:r>
-              <a:rPr lang="zh-TW" altLang="en-US" smtClean="0"/>
+              <a:rPr lang="zh-TW" altLang="en-US"/>
               <a:t>第三層</a:t>
             </a:r>
           </a:p>
           <a:p>
             <a:pPr lvl="3"/>
             <a:r>
-              <a:rPr lang="zh-TW" altLang="en-US" smtClean="0"/>
+              <a:rPr lang="zh-TW" altLang="en-US"/>
               <a:t>第四層</a:t>
             </a:r>
           </a:p>
           <a:p>
             <a:pPr lvl="4"/>
             <a:r>
-              <a:rPr lang="zh-TW" altLang="en-US" smtClean="0"/>
+              <a:rPr lang="zh-TW" altLang="en-US"/>
               <a:t>第五層</a:t>
             </a:r>
-            <a:endParaRPr lang="zh-TW" altLang="en-US"/>
           </a:p>
         </p:txBody>
       </p:sp>
@@ -3129,10 +3114,9 @@
           <a:lstStyle/>
           <a:p>
             <a:r>
-              <a:rPr lang="zh-TW" altLang="en-US" smtClean="0"/>
+              <a:rPr lang="zh-TW" altLang="en-US"/>
               <a:t>按一下以編輯母片標題樣式</a:t>
             </a:r>
-            <a:endParaRPr lang="zh-TW" altLang="en-US"/>
           </a:p>
         </p:txBody>
       </p:sp>
@@ -3403,10 +3387,9 @@
           </a:lstStyle>
           <a:p>
             <a:r>
-              <a:rPr lang="zh-TW" altLang="en-US" smtClean="0"/>
+              <a:rPr lang="zh-TW" altLang="en-US"/>
               <a:t>按一下以編輯母片標題樣式</a:t>
             </a:r>
-            <a:endParaRPr lang="zh-TW" altLang="en-US"/>
           </a:p>
         </p:txBody>
       </p:sp>
@@ -3460,38 +3443,37 @@
           <a:p>
             <a:pPr lvl="0"/>
             <a:r>
-              <a:rPr lang="zh-TW" altLang="en-US" smtClean="0"/>
+              <a:rPr lang="zh-TW" altLang="en-US"/>
               <a:t>按一下以編輯母片文字樣式</a:t>
             </a:r>
           </a:p>
           <a:p>
             <a:pPr lvl="1"/>
             <a:r>
-              <a:rPr lang="zh-TW" altLang="en-US" smtClean="0"/>
+              <a:rPr lang="zh-TW" altLang="en-US"/>
               <a:t>第二層</a:t>
             </a:r>
           </a:p>
           <a:p>
             <a:pPr lvl="2"/>
             <a:r>
-              <a:rPr lang="zh-TW" altLang="en-US" smtClean="0"/>
+              <a:rPr lang="zh-TW" altLang="en-US"/>
               <a:t>第三層</a:t>
             </a:r>
           </a:p>
           <a:p>
             <a:pPr lvl="3"/>
             <a:r>
-              <a:rPr lang="zh-TW" altLang="en-US" smtClean="0"/>
+              <a:rPr lang="zh-TW" altLang="en-US"/>
               <a:t>第四層</a:t>
             </a:r>
           </a:p>
           <a:p>
             <a:pPr lvl="4"/>
             <a:r>
-              <a:rPr lang="zh-TW" altLang="en-US" smtClean="0"/>
+              <a:rPr lang="zh-TW" altLang="en-US"/>
               <a:t>第五層</a:t>
             </a:r>
-            <a:endParaRPr lang="zh-TW" altLang="en-US"/>
           </a:p>
         </p:txBody>
       </p:sp>
@@ -3554,7 +3536,7 @@
           <a:p>
             <a:pPr lvl="0"/>
             <a:r>
-              <a:rPr lang="zh-TW" altLang="en-US" smtClean="0"/>
+              <a:rPr lang="zh-TW" altLang="en-US"/>
               <a:t>按一下以編輯母片文字樣式</a:t>
             </a:r>
           </a:p>
@@ -3706,10 +3688,9 @@
           </a:lstStyle>
           <a:p>
             <a:r>
-              <a:rPr lang="zh-TW" altLang="en-US" smtClean="0"/>
+              <a:rPr lang="zh-TW" altLang="en-US"/>
               <a:t>按一下以編輯母片標題樣式</a:t>
             </a:r>
-            <a:endParaRPr lang="zh-TW" altLang="en-US"/>
           </a:p>
         </p:txBody>
       </p:sp>
@@ -3771,7 +3752,7 @@
           </a:lstStyle>
           <a:p>
             <a:pPr lvl="0"/>
-            <a:endParaRPr lang="zh-TW" altLang="en-US" noProof="0" smtClean="0"/>
+            <a:endParaRPr lang="zh-TW" altLang="en-US" noProof="0"/>
           </a:p>
         </p:txBody>
       </p:sp>
@@ -3834,7 +3815,7 @@
           <a:p>
             <a:pPr lvl="0"/>
             <a:r>
-              <a:rPr lang="zh-TW" altLang="en-US" smtClean="0"/>
+              <a:rPr lang="zh-TW" altLang="en-US"/>
               <a:t>按一下以編輯母片文字樣式</a:t>
             </a:r>
           </a:p>
@@ -4117,7 +4098,7 @@
             <a:pPr algn="ctr" eaLnBrk="1" hangingPunct="1">
               <a:defRPr/>
             </a:pPr>
-            <a:endParaRPr lang="zh-TW" altLang="zh-TW" sz="2400" smtClean="0"/>
+            <a:endParaRPr lang="zh-TW" altLang="zh-TW" sz="2400"/>
           </a:p>
         </p:txBody>
       </p:sp>
@@ -4277,7 +4258,7 @@
             <a:pPr algn="ctr" eaLnBrk="1" hangingPunct="1">
               <a:defRPr/>
             </a:pPr>
-            <a:endParaRPr lang="zh-TW" altLang="zh-TW" sz="2400" smtClean="0"/>
+            <a:endParaRPr lang="zh-TW" altLang="zh-TW" sz="2400"/>
           </a:p>
         </p:txBody>
       </p:sp>
@@ -4429,7 +4410,7 @@
             <a:pPr algn="ctr" eaLnBrk="1" hangingPunct="1">
               <a:defRPr/>
             </a:pPr>
-            <a:endParaRPr lang="zh-TW" altLang="zh-TW" sz="2400" smtClean="0"/>
+            <a:endParaRPr lang="zh-TW" altLang="zh-TW" sz="2400"/>
           </a:p>
         </p:txBody>
       </p:sp>
@@ -4589,7 +4570,7 @@
             <a:pPr algn="ctr" eaLnBrk="1" hangingPunct="1">
               <a:defRPr/>
             </a:pPr>
-            <a:endParaRPr lang="zh-TW" altLang="zh-TW" sz="2400" smtClean="0"/>
+            <a:endParaRPr lang="zh-TW" altLang="zh-TW" sz="2400"/>
           </a:p>
         </p:txBody>
       </p:sp>
@@ -4749,7 +4730,7 @@
             <a:pPr algn="ctr" eaLnBrk="1" hangingPunct="1">
               <a:defRPr/>
             </a:pPr>
-            <a:endParaRPr lang="zh-TW" altLang="zh-TW" sz="2400" smtClean="0"/>
+            <a:endParaRPr lang="zh-TW" altLang="zh-TW" sz="2400"/>
           </a:p>
         </p:txBody>
       </p:sp>
@@ -4901,7 +4882,7 @@
             <a:pPr algn="ctr" eaLnBrk="1" hangingPunct="1">
               <a:defRPr/>
             </a:pPr>
-            <a:endParaRPr lang="zh-TW" altLang="zh-TW" sz="2400" smtClean="0"/>
+            <a:endParaRPr lang="zh-TW" altLang="zh-TW" sz="2400"/>
           </a:p>
         </p:txBody>
       </p:sp>
@@ -5061,7 +5042,7 @@
             <a:pPr algn="ctr" eaLnBrk="1" hangingPunct="1">
               <a:defRPr/>
             </a:pPr>
-            <a:endParaRPr lang="zh-TW" altLang="zh-TW" sz="2400" smtClean="0"/>
+            <a:endParaRPr lang="zh-TW" altLang="zh-TW" sz="2400"/>
           </a:p>
         </p:txBody>
       </p:sp>
@@ -5117,7 +5098,7 @@
           <a:p>
             <a:pPr lvl="0"/>
             <a:r>
-              <a:rPr lang="zh-TW" altLang="en-US" smtClean="0"/>
+              <a:rPr lang="zh-TW" altLang="en-US"/>
               <a:t>按一下以編輯母片標題樣式</a:t>
             </a:r>
           </a:p>
@@ -5175,35 +5156,35 @@
           <a:p>
             <a:pPr lvl="0"/>
             <a:r>
-              <a:rPr lang="zh-TW" altLang="en-US" smtClean="0"/>
+              <a:rPr lang="zh-TW" altLang="en-US"/>
               <a:t>按一下以編輯母片</a:t>
             </a:r>
           </a:p>
           <a:p>
             <a:pPr lvl="1"/>
             <a:r>
-              <a:rPr lang="zh-TW" altLang="en-US" smtClean="0"/>
+              <a:rPr lang="zh-TW" altLang="en-US"/>
               <a:t>第二層</a:t>
             </a:r>
           </a:p>
           <a:p>
             <a:pPr lvl="2"/>
             <a:r>
-              <a:rPr lang="zh-TW" altLang="en-US" smtClean="0"/>
+              <a:rPr lang="zh-TW" altLang="en-US"/>
               <a:t>第三層</a:t>
             </a:r>
           </a:p>
           <a:p>
             <a:pPr lvl="3"/>
             <a:r>
-              <a:rPr lang="zh-TW" altLang="en-US" smtClean="0"/>
+              <a:rPr lang="zh-TW" altLang="en-US"/>
               <a:t>第四層</a:t>
             </a:r>
           </a:p>
           <a:p>
             <a:pPr lvl="4"/>
             <a:r>
-              <a:rPr lang="zh-TW" altLang="en-US" smtClean="0"/>
+              <a:rPr lang="zh-TW" altLang="en-US"/>
               <a:t>第五層</a:t>
             </a:r>
           </a:p>
@@ -5850,7 +5831,7 @@
           <a:p>
             <a:pPr eaLnBrk="1" hangingPunct="1"/>
             <a:r>
-              <a:rPr lang="en-US" altLang="zh-TW" smtClean="0"/>
+              <a:rPr lang="en-US" altLang="zh-TW"/>
               <a:t>Digit Lock</a:t>
             </a:r>
           </a:p>
@@ -5872,7 +5853,7 @@
           <a:lstStyle/>
           <a:p>
             <a:pPr eaLnBrk="1" hangingPunct="1"/>
-            <a:endParaRPr lang="zh-TW" altLang="zh-TW" smtClean="0"/>
+            <a:endParaRPr lang="zh-TW" altLang="zh-TW"/>
           </a:p>
         </p:txBody>
       </p:sp>
@@ -6127,13 +6108,6 @@
   <p:clrMapOvr>
     <a:masterClrMapping/>
   </p:clrMapOvr>
-  <p:timing>
-    <p:tnLst>
-      <p:par>
-        <p:cTn id="1" dur="indefinite" restart="never" nodeType="tmRoot"/>
-      </p:par>
-    </p:tnLst>
-  </p:timing>
 </p:sld>
 </file>
 
@@ -6171,7 +6145,7 @@
           <a:p>
             <a:pPr eaLnBrk="1" hangingPunct="1"/>
             <a:r>
-              <a:rPr lang="en-US" altLang="zh-TW" smtClean="0"/>
+              <a:rPr lang="en-US" altLang="zh-TW"/>
               <a:t>Your Work</a:t>
             </a:r>
           </a:p>
@@ -6203,7 +6177,7 @@
               </a:lnSpc>
             </a:pPr>
             <a:r>
-              <a:rPr lang="en-US" altLang="zh-TW" sz="2400" smtClean="0"/>
+              <a:rPr lang="en-US" altLang="zh-TW" sz="2400"/>
               <a:t>Design a digit lock</a:t>
             </a:r>
           </a:p>
@@ -6214,7 +6188,7 @@
               </a:lnSpc>
             </a:pPr>
             <a:r>
-              <a:rPr lang="en-US" altLang="zh-TW" sz="2000" smtClean="0"/>
+              <a:rPr lang="en-US" altLang="zh-TW" sz="2000"/>
               <a:t>initial: in Lock state</a:t>
             </a:r>
           </a:p>
@@ -6225,7 +6199,7 @@
               </a:lnSpc>
             </a:pPr>
             <a:r>
-              <a:rPr lang="en-US" altLang="zh-TW" sz="2000" smtClean="0"/>
+              <a:rPr lang="en-US" altLang="zh-TW" sz="2000"/>
               <a:t>turn to Unlock state if a key sequence matched the password</a:t>
             </a:r>
           </a:p>
@@ -6236,7 +6210,7 @@
               </a:lnSpc>
             </a:pPr>
             <a:r>
-              <a:rPr lang="en-US" altLang="zh-TW" sz="2000" smtClean="0"/>
+              <a:rPr lang="en-US" altLang="zh-TW" sz="2000"/>
               <a:t>at Unock state: turn-back to lock state if any key pressed</a:t>
             </a:r>
           </a:p>
@@ -6247,7 +6221,7 @@
               </a:lnSpc>
             </a:pPr>
             <a:r>
-              <a:rPr lang="en-US" altLang="zh-TW" sz="2000" smtClean="0">
+              <a:rPr lang="en-US" altLang="zh-TW" sz="2000">
                 <a:solidFill>
                   <a:schemeClr val="folHlink"/>
                 </a:solidFill>
@@ -11799,7 +11773,7 @@
           <a:p>
             <a:pPr eaLnBrk="1" hangingPunct="1"/>
             <a:r>
-              <a:rPr lang="en-US" altLang="zh-TW" smtClean="0"/>
+              <a:rPr lang="en-US" altLang="zh-TW"/>
               <a:t>Remark</a:t>
             </a:r>
           </a:p>
@@ -11822,44 +11796,44 @@
           <a:p>
             <a:pPr eaLnBrk="1" hangingPunct="1"/>
             <a:r>
-              <a:rPr lang="en-US" altLang="zh-TW" dirty="0" smtClean="0"/>
+              <a:rPr lang="en-US" altLang="zh-TW" dirty="0"/>
               <a:t>Each of you will be assigned a distinct password randomly</a:t>
             </a:r>
           </a:p>
           <a:p>
             <a:pPr lvl="1" eaLnBrk="1" hangingPunct="1"/>
             <a:r>
-              <a:rPr lang="en-US" altLang="zh-TW" dirty="0" smtClean="0"/>
+              <a:rPr lang="en-US" altLang="zh-TW" dirty="0"/>
               <a:t>Check the </a:t>
             </a:r>
             <a:r>
-              <a:rPr lang="en-US" altLang="zh-TW" dirty="0" err="1" smtClean="0"/>
+              <a:rPr lang="en-US" altLang="zh-TW" dirty="0" err="1"/>
               <a:t>github</a:t>
             </a:r>
             <a:r>
-              <a:rPr lang="en-US" altLang="zh-TW" dirty="0" smtClean="0"/>
+              <a:rPr lang="en-US" altLang="zh-TW" dirty="0"/>
               <a:t> course page</a:t>
             </a:r>
           </a:p>
           <a:p>
             <a:pPr lvl="1" eaLnBrk="1" hangingPunct="1"/>
-            <a:endParaRPr lang="en-US" altLang="zh-TW" dirty="0" smtClean="0"/>
+            <a:endParaRPr lang="en-US" altLang="zh-TW" dirty="0"/>
           </a:p>
           <a:p>
             <a:pPr eaLnBrk="1" hangingPunct="1"/>
             <a:r>
-              <a:rPr lang="en-US" altLang="zh-TW" dirty="0" smtClean="0"/>
+              <a:rPr lang="en-US" altLang="zh-TW" dirty="0"/>
               <a:t>Hint:</a:t>
             </a:r>
           </a:p>
           <a:p>
             <a:pPr lvl="1" eaLnBrk="1" hangingPunct="1"/>
             <a:r>
-              <a:rPr lang="en-US" altLang="zh-TW" dirty="0" smtClean="0"/>
+              <a:rPr lang="en-US" altLang="zh-TW" dirty="0"/>
               <a:t>the most similar design you will learn: the </a:t>
             </a:r>
             <a:r>
-              <a:rPr lang="en-US" altLang="zh-TW" dirty="0" smtClean="0">
+              <a:rPr lang="en-US" altLang="zh-TW" dirty="0">
                 <a:solidFill>
                   <a:schemeClr val="tx2"/>
                 </a:solidFill>
@@ -11867,14 +11841,9 @@
               <a:t>sequence recognizer</a:t>
             </a:r>
             <a:r>
-              <a:rPr lang="en-US" altLang="zh-TW" dirty="0" smtClean="0"/>
-              <a:t> in Section </a:t>
+              <a:rPr lang="en-US" altLang="zh-TW" dirty="0"/>
+              <a:t> in Section 4.5</a:t>
             </a:r>
-            <a:r>
-              <a:rPr lang="en-US" altLang="zh-TW" dirty="0" smtClean="0"/>
-              <a:t>4.5</a:t>
-            </a:r>
-            <a:endParaRPr lang="en-US" altLang="zh-TW" dirty="0" smtClean="0"/>
           </a:p>
         </p:txBody>
       </p:sp>
@@ -11883,13 +11852,6 @@
   <p:clrMapOvr>
     <a:masterClrMapping/>
   </p:clrMapOvr>
-  <p:timing>
-    <p:tnLst>
-      <p:par>
-        <p:cTn id="1" dur="indefinite" restart="never" nodeType="tmRoot"/>
-      </p:par>
-    </p:tnLst>
-  </p:timing>
 </p:sld>
 </file>
 
@@ -11927,7 +11889,7 @@
           <a:p>
             <a:pPr eaLnBrk="1" hangingPunct="1"/>
             <a:r>
-              <a:rPr lang="en-US" altLang="zh-TW" smtClean="0"/>
+              <a:rPr lang="en-US" altLang="zh-TW"/>
               <a:t>Your Pre-Lab Report</a:t>
             </a:r>
           </a:p>
@@ -11959,7 +11921,7 @@
               </a:lnSpc>
             </a:pPr>
             <a:r>
-              <a:rPr lang="en-US" altLang="zh-TW" sz="2400" smtClean="0"/>
+              <a:rPr lang="en-US" altLang="zh-TW" sz="2400"/>
               <a:t>Follow the standard steps to realize your design</a:t>
             </a:r>
           </a:p>
@@ -11972,7 +11934,7 @@
               <a:buAutoNum type="arabicParenBoth"/>
             </a:pPr>
             <a:r>
-              <a:rPr lang="en-US" altLang="zh-TW" sz="2000" smtClean="0"/>
+              <a:rPr lang="en-US" altLang="zh-TW" sz="2000"/>
               <a:t>draw the state diagram of your design</a:t>
             </a:r>
           </a:p>
@@ -11985,7 +11947,7 @@
               <a:buAutoNum type="arabicParenBoth"/>
             </a:pPr>
             <a:r>
-              <a:rPr lang="en-US" altLang="zh-TW" sz="2000" smtClean="0"/>
+              <a:rPr lang="en-US" altLang="zh-TW" sz="2000"/>
               <a:t>draw the framework of your design and name each key signal</a:t>
             </a:r>
           </a:p>
@@ -11998,7 +11960,7 @@
               <a:buAutoNum type="arabicParenBoth"/>
             </a:pPr>
             <a:r>
-              <a:rPr lang="en-US" altLang="zh-TW" sz="2000" smtClean="0"/>
+              <a:rPr lang="en-US" altLang="zh-TW" sz="2000"/>
               <a:t>derive the Boolean equations for the combinational part</a:t>
             </a:r>
           </a:p>
@@ -15173,7 +15135,7 @@
             <a:graphicData uri="http://schemas.openxmlformats.org/presentationml/2006/ole">
               <mc:AlternateContent xmlns:mc="http://schemas.openxmlformats.org/markup-compatibility/2006">
                 <mc:Choice xmlns:v="urn:schemas-microsoft-com:vml" Requires="v">
-                  <p:oleObj spid="_x0000_s6179" name="方程式" r:id="rId3" imgW="215619" imgH="215619" progId="Equation.3">
+                  <p:oleObj spid="_x0000_s6189" name="方程式" r:id="rId3" imgW="215619" imgH="215619" progId="Equation.3">
                     <p:embed/>
                   </p:oleObj>
                 </mc:Choice>
@@ -15266,7 +15228,7 @@
             <a:graphicData uri="http://schemas.openxmlformats.org/presentationml/2006/ole">
               <mc:AlternateContent xmlns:mc="http://schemas.openxmlformats.org/markup-compatibility/2006">
                 <mc:Choice xmlns:v="urn:schemas-microsoft-com:vml" Requires="v">
-                  <p:oleObj spid="_x0000_s6180" name="方程式" r:id="rId5" imgW="215619" imgH="215619" progId="Equation.3">
+                  <p:oleObj spid="_x0000_s6190" name="方程式" r:id="rId5" imgW="215619" imgH="215619" progId="Equation.3">
                     <p:embed/>
                   </p:oleObj>
                 </mc:Choice>
@@ -15349,13 +15311,6 @@
   <p:clrMapOvr>
     <a:masterClrMapping/>
   </p:clrMapOvr>
-  <p:timing>
-    <p:tnLst>
-      <p:par>
-        <p:cTn id="1" dur="indefinite" restart="never" nodeType="tmRoot"/>
-      </p:par>
-    </p:tnLst>
-  </p:timing>
 </p:sld>
 </file>
 
@@ -15393,7 +15348,7 @@
           <a:p>
             <a:pPr eaLnBrk="1" hangingPunct="1"/>
             <a:r>
-              <a:rPr lang="en-US" altLang="zh-TW" smtClean="0"/>
+              <a:rPr lang="en-US" altLang="zh-TW"/>
               <a:t>Grading</a:t>
             </a:r>
           </a:p>
@@ -15420,7 +15375,7 @@
               </a:lnSpc>
             </a:pPr>
             <a:r>
-              <a:rPr lang="en-US" altLang="zh-TW" sz="2800" smtClean="0"/>
+              <a:rPr lang="en-US" altLang="zh-TW" sz="2800"/>
               <a:t>Realize the digit lock: 75%</a:t>
             </a:r>
           </a:p>
@@ -15431,7 +15386,7 @@
               </a:lnSpc>
             </a:pPr>
             <a:r>
-              <a:rPr lang="en-US" altLang="zh-TW" sz="2400" smtClean="0"/>
+              <a:rPr lang="en-US" altLang="zh-TW" sz="2400"/>
               <a:t>user does not press 2+ buttons simultaneously</a:t>
             </a:r>
           </a:p>
@@ -15442,7 +15397,7 @@
               </a:lnSpc>
             </a:pPr>
             <a:r>
-              <a:rPr lang="en-US" altLang="zh-TW" sz="2400" smtClean="0"/>
+              <a:rPr lang="en-US" altLang="zh-TW" sz="2400"/>
               <a:t>due today</a:t>
             </a:r>
           </a:p>
@@ -15453,7 +15408,7 @@
               </a:lnSpc>
             </a:pPr>
             <a:r>
-              <a:rPr lang="en-US" altLang="zh-TW" sz="2800" smtClean="0"/>
+              <a:rPr lang="en-US" altLang="zh-TW" sz="2800"/>
               <a:t>Fix the bug of hacking the lock by pressing all buttons together: +15%</a:t>
             </a:r>
           </a:p>
@@ -15464,7 +15419,7 @@
               </a:lnSpc>
             </a:pPr>
             <a:r>
-              <a:rPr lang="en-US" altLang="zh-TW" sz="2800" smtClean="0"/>
+              <a:rPr lang="en-US" altLang="zh-TW" sz="2800"/>
               <a:t>Your final report: 10%</a:t>
             </a:r>
           </a:p>
@@ -15475,7 +15430,7 @@
               </a:lnSpc>
             </a:pPr>
             <a:r>
-              <a:rPr lang="en-US" altLang="zh-TW" sz="2400" smtClean="0">
+              <a:rPr lang="en-US" altLang="zh-TW" sz="2400">
                 <a:solidFill>
                   <a:schemeClr val="hlink"/>
                 </a:solidFill>
@@ -15489,7 +15444,7 @@
                 <a:spcPct val="90000"/>
               </a:lnSpc>
             </a:pPr>
-            <a:endParaRPr lang="en-US" altLang="zh-TW" sz="2400" smtClean="0">
+            <a:endParaRPr lang="en-US" altLang="zh-TW" sz="2400">
               <a:solidFill>
                 <a:schemeClr val="hlink"/>
               </a:solidFill>
@@ -15502,13 +15457,6 @@
   <p:clrMapOvr>
     <a:masterClrMapping/>
   </p:clrMapOvr>
-  <p:timing>
-    <p:tnLst>
-      <p:par>
-        <p:cTn id="1" dur="indefinite" restart="never" nodeType="tmRoot"/>
-      </p:par>
-    </p:tnLst>
-  </p:timing>
 </p:sld>
 </file>
 
@@ -15546,7 +15494,7 @@
           <a:p>
             <a:pPr eaLnBrk="1" hangingPunct="1"/>
             <a:r>
-              <a:rPr lang="en-US" altLang="zh-TW" smtClean="0"/>
+              <a:rPr lang="en-US" altLang="zh-TW"/>
               <a:t>On realization</a:t>
             </a:r>
           </a:p>
@@ -15573,11 +15521,19 @@
               </a:lnSpc>
             </a:pPr>
             <a:r>
-              <a:rPr lang="en-US" altLang="zh-TW" sz="2800" smtClean="0"/>
-              <a:t>use “button.v” to send </a:t>
+              <a:rPr lang="en-US" altLang="zh-TW" sz="2800" dirty="0"/>
+              <a:t>use “button/</a:t>
             </a:r>
             <a:r>
-              <a:rPr lang="en-US" altLang="zh-TW" sz="2800" smtClean="0">
+              <a:rPr lang="en-US" altLang="zh-TW" sz="2800" dirty="0" err="1"/>
+              <a:t>debounce.v</a:t>
+            </a:r>
+            <a:r>
+              <a:rPr lang="en-US" altLang="zh-TW" sz="2800" dirty="0"/>
+              <a:t>” to send </a:t>
+            </a:r>
+            <a:r>
+              <a:rPr lang="en-US" altLang="zh-TW" sz="2800" dirty="0">
                 <a:solidFill>
                   <a:srgbClr val="FF0000"/>
                 </a:solidFill>
@@ -15585,7 +15541,7 @@
               <a:t>one-cycle</a:t>
             </a:r>
             <a:r>
-              <a:rPr lang="en-US" altLang="zh-TW" sz="2800" smtClean="0"/>
+              <a:rPr lang="en-US" altLang="zh-TW" sz="2800" dirty="0"/>
               <a:t> pulse for each press</a:t>
             </a:r>
           </a:p>
@@ -15595,7 +15551,7 @@
                 <a:spcPct val="90000"/>
               </a:lnSpc>
             </a:pPr>
-            <a:endParaRPr lang="en-US" altLang="zh-TW" sz="2800" smtClean="0"/>
+            <a:endParaRPr lang="en-US" altLang="zh-TW" sz="2800" dirty="0"/>
           </a:p>
           <a:p>
             <a:pPr marL="609600" indent="-609600" eaLnBrk="1" hangingPunct="1">
@@ -15603,7 +15559,7 @@
                 <a:spcPct val="90000"/>
               </a:lnSpc>
             </a:pPr>
-            <a:endParaRPr lang="en-US" altLang="zh-TW" sz="2800" smtClean="0"/>
+            <a:endParaRPr lang="en-US" altLang="zh-TW" sz="2800" dirty="0"/>
           </a:p>
           <a:p>
             <a:pPr marL="609600" indent="-609600" eaLnBrk="1" hangingPunct="1">
@@ -15611,7 +15567,7 @@
                 <a:spcPct val="90000"/>
               </a:lnSpc>
             </a:pPr>
-            <a:endParaRPr lang="en-US" altLang="zh-TW" sz="2800" smtClean="0"/>
+            <a:endParaRPr lang="en-US" altLang="zh-TW" sz="2800" dirty="0"/>
           </a:p>
           <a:p>
             <a:pPr marL="609600" indent="-609600" eaLnBrk="1" hangingPunct="1">
@@ -15620,7 +15576,7 @@
               </a:lnSpc>
             </a:pPr>
             <a:r>
-              <a:rPr lang="en-US" altLang="zh-TW" sz="2800" smtClean="0"/>
+              <a:rPr lang="en-US" altLang="zh-TW" sz="2800" dirty="0"/>
               <a:t>Quartus II steps:</a:t>
             </a:r>
           </a:p>
@@ -15633,8 +15589,16 @@
               <a:buAutoNum type="arabicParenBoth"/>
             </a:pPr>
             <a:r>
-              <a:rPr lang="en-US" altLang="zh-TW" sz="2400" smtClean="0"/>
-              <a:t>add “button.v” as a file in the project</a:t>
+              <a:rPr lang="en-US" altLang="zh-TW" sz="2400" dirty="0"/>
+              <a:t>add “</a:t>
+            </a:r>
+            <a:r>
+              <a:rPr lang="en-US" altLang="zh-TW" sz="2400" dirty="0" err="1"/>
+              <a:t>debounce.v</a:t>
+            </a:r>
+            <a:r>
+              <a:rPr lang="en-US" altLang="zh-TW" sz="2400" dirty="0"/>
+              <a:t>” as a file in the project</a:t>
             </a:r>
           </a:p>
           <a:p>
@@ -15646,8 +15610,16 @@
               <a:buAutoNum type="arabicParenBoth"/>
             </a:pPr>
             <a:r>
-              <a:rPr lang="en-US" altLang="zh-TW" sz="2400" smtClean="0"/>
-              <a:t>build a symbol over “button.v”</a:t>
+              <a:rPr lang="en-US" altLang="zh-TW" sz="2400" dirty="0"/>
+              <a:t>build a symbol over “</a:t>
+            </a:r>
+            <a:r>
+              <a:rPr lang="en-US" altLang="zh-TW" sz="2400" dirty="0" err="1"/>
+              <a:t>debounce.v</a:t>
+            </a:r>
+            <a:r>
+              <a:rPr lang="en-US" altLang="zh-TW" sz="2400" dirty="0"/>
+              <a:t>”</a:t>
             </a:r>
           </a:p>
           <a:p>
@@ -15659,7 +15631,7 @@
               <a:buAutoNum type="arabicParenBoth"/>
             </a:pPr>
             <a:r>
-              <a:rPr lang="en-US" altLang="zh-TW" sz="2400" smtClean="0"/>
+              <a:rPr lang="en-US" altLang="zh-TW" sz="2400" dirty="0"/>
               <a:t>use the symbol in circuit diagram</a:t>
             </a:r>
           </a:p>
@@ -16583,241 +16555,6 @@
   <p:clrMapOvr>
     <a:masterClrMapping/>
   </p:clrMapOvr>
-  <p:timing>
-    <p:tnLst>
-      <p:par>
-        <p:cTn id="1" dur="indefinite" restart="never" nodeType="tmRoot"/>
-      </p:par>
-    </p:tnLst>
-  </p:timing>
-</p:sld>
-</file>
-
-<file path=ppt/slides/slide7.xml><?xml version="1.0" encoding="utf-8"?>
-<p:sld xmlns:a="http://schemas.openxmlformats.org/drawingml/2006/main" xmlns:r="http://schemas.openxmlformats.org/officeDocument/2006/relationships" xmlns:p="http://schemas.openxmlformats.org/presentationml/2006/main">
-  <p:cSld>
-    <p:spTree>
-      <p:nvGrpSpPr>
-        <p:cNvPr id="1" name=""/>
-        <p:cNvGrpSpPr/>
-        <p:nvPr/>
-      </p:nvGrpSpPr>
-      <p:grpSpPr>
-        <a:xfrm>
-          <a:off x="0" y="0"/>
-          <a:ext cx="0" cy="0"/>
-          <a:chOff x="0" y="0"/>
-          <a:chExt cx="0" cy="0"/>
-        </a:xfrm>
-      </p:grpSpPr>
-      <p:sp>
-        <p:nvSpPr>
-          <p:cNvPr id="9218" name="Rectangle 4"/>
-          <p:cNvSpPr>
-            <a:spLocks noGrp="1" noChangeArrowheads="1"/>
-          </p:cNvSpPr>
-          <p:nvPr>
-            <p:ph type="ctrTitle"/>
-          </p:nvPr>
-        </p:nvSpPr>
-        <p:spPr/>
-        <p:txBody>
-          <a:bodyPr/>
-          <a:lstStyle/>
-          <a:p>
-            <a:pPr eaLnBrk="1" hangingPunct="1"/>
-            <a:r>
-              <a:rPr lang="en-US" altLang="zh-TW" smtClean="0"/>
-              <a:t>Trouble Shooting for FPGA programming</a:t>
-            </a:r>
-          </a:p>
-        </p:txBody>
-      </p:sp>
-      <p:sp>
-        <p:nvSpPr>
-          <p:cNvPr id="9219" name="Rectangle 5"/>
-          <p:cNvSpPr>
-            <a:spLocks noGrp="1" noChangeArrowheads="1"/>
-          </p:cNvSpPr>
-          <p:nvPr>
-            <p:ph type="subTitle" idx="1"/>
-          </p:nvPr>
-        </p:nvSpPr>
-        <p:spPr/>
-        <p:txBody>
-          <a:bodyPr/>
-          <a:lstStyle/>
-          <a:p>
-            <a:pPr eaLnBrk="1" hangingPunct="1"/>
-            <a:endParaRPr lang="zh-TW" altLang="zh-TW" smtClean="0"/>
-          </a:p>
-        </p:txBody>
-      </p:sp>
-    </p:spTree>
-  </p:cSld>
-  <p:clrMapOvr>
-    <a:masterClrMapping/>
-  </p:clrMapOvr>
-  <p:timing>
-    <p:tnLst>
-      <p:par>
-        <p:cTn id="1" dur="indefinite" restart="never" nodeType="tmRoot"/>
-      </p:par>
-    </p:tnLst>
-  </p:timing>
-</p:sld>
-</file>
-
-<file path=ppt/slides/slide8.xml><?xml version="1.0" encoding="utf-8"?>
-<p:sld xmlns:a="http://schemas.openxmlformats.org/drawingml/2006/main" xmlns:r="http://schemas.openxmlformats.org/officeDocument/2006/relationships" xmlns:p="http://schemas.openxmlformats.org/presentationml/2006/main">
-  <p:cSld>
-    <p:spTree>
-      <p:nvGrpSpPr>
-        <p:cNvPr id="1" name=""/>
-        <p:cNvGrpSpPr/>
-        <p:nvPr/>
-      </p:nvGrpSpPr>
-      <p:grpSpPr>
-        <a:xfrm>
-          <a:off x="0" y="0"/>
-          <a:ext cx="0" cy="0"/>
-          <a:chOff x="0" y="0"/>
-          <a:chExt cx="0" cy="0"/>
-        </a:xfrm>
-      </p:grpSpPr>
-      <p:sp>
-        <p:nvSpPr>
-          <p:cNvPr id="10242" name="Rectangle 2"/>
-          <p:cNvSpPr>
-            <a:spLocks noGrp="1" noChangeArrowheads="1"/>
-          </p:cNvSpPr>
-          <p:nvPr>
-            <p:ph type="title"/>
-          </p:nvPr>
-        </p:nvSpPr>
-        <p:spPr/>
-        <p:txBody>
-          <a:bodyPr/>
-          <a:lstStyle/>
-          <a:p>
-            <a:pPr eaLnBrk="1" hangingPunct="1"/>
-            <a:r>
-              <a:rPr lang="en-US" altLang="zh-TW" smtClean="0"/>
-              <a:t>Trouble Shooting for FPGA</a:t>
-            </a:r>
-          </a:p>
-        </p:txBody>
-      </p:sp>
-      <p:sp>
-        <p:nvSpPr>
-          <p:cNvPr id="10243" name="Rectangle 3"/>
-          <p:cNvSpPr>
-            <a:spLocks noGrp="1" noChangeArrowheads="1"/>
-          </p:cNvSpPr>
-          <p:nvPr>
-            <p:ph type="body" idx="1"/>
-          </p:nvPr>
-        </p:nvSpPr>
-        <p:spPr/>
-        <p:txBody>
-          <a:bodyPr/>
-          <a:lstStyle/>
-          <a:p>
-            <a:pPr eaLnBrk="1" hangingPunct="1">
-              <a:lnSpc>
-                <a:spcPct val="90000"/>
-              </a:lnSpc>
-            </a:pPr>
-            <a:r>
-              <a:rPr lang="en-US" altLang="zh-TW" smtClean="0"/>
-              <a:t>check settings:</a:t>
-            </a:r>
-          </a:p>
-          <a:p>
-            <a:pPr lvl="1" eaLnBrk="1" hangingPunct="1">
-              <a:lnSpc>
-                <a:spcPct val="90000"/>
-              </a:lnSpc>
-            </a:pPr>
-            <a:r>
-              <a:rPr lang="en-US" altLang="zh-TW" smtClean="0"/>
-              <a:t>Assignments-&gt;Settings-&gt;Device…</a:t>
-            </a:r>
-          </a:p>
-          <a:p>
-            <a:pPr lvl="2" eaLnBrk="1" hangingPunct="1">
-              <a:lnSpc>
-                <a:spcPct val="90000"/>
-              </a:lnSpc>
-            </a:pPr>
-            <a:r>
-              <a:rPr lang="en-US" altLang="zh-TW" smtClean="0"/>
-              <a:t>use Active Mode with Auto detection</a:t>
-            </a:r>
-          </a:p>
-          <a:p>
-            <a:pPr lvl="1" eaLnBrk="1" hangingPunct="1">
-              <a:lnSpc>
-                <a:spcPct val="90000"/>
-              </a:lnSpc>
-            </a:pPr>
-            <a:r>
-              <a:rPr lang="en-US" altLang="zh-TW" smtClean="0"/>
-              <a:t>Tools-&gt;Programmer-&gt;Hardware</a:t>
-            </a:r>
-          </a:p>
-          <a:p>
-            <a:pPr lvl="1" eaLnBrk="1" hangingPunct="1">
-              <a:lnSpc>
-                <a:spcPct val="90000"/>
-              </a:lnSpc>
-            </a:pPr>
-            <a:r>
-              <a:rPr lang="en-US" altLang="zh-TW" smtClean="0"/>
-              <a:t>Check jumper on your FPGA board</a:t>
-            </a:r>
-          </a:p>
-          <a:p>
-            <a:pPr lvl="1" eaLnBrk="1" hangingPunct="1">
-              <a:lnSpc>
-                <a:spcPct val="90000"/>
-              </a:lnSpc>
-            </a:pPr>
-            <a:endParaRPr lang="en-US" altLang="zh-TW" smtClean="0"/>
-          </a:p>
-          <a:p>
-            <a:pPr eaLnBrk="1" hangingPunct="1">
-              <a:lnSpc>
-                <a:spcPct val="90000"/>
-              </a:lnSpc>
-            </a:pPr>
-            <a:r>
-              <a:rPr lang="en-US" altLang="zh-TW" smtClean="0"/>
-              <a:t>The user guide for USB-Blaster: check our Wiki</a:t>
-            </a:r>
-          </a:p>
-          <a:p>
-            <a:pPr lvl="1" eaLnBrk="1" hangingPunct="1">
-              <a:lnSpc>
-                <a:spcPct val="90000"/>
-              </a:lnSpc>
-            </a:pPr>
-            <a:endParaRPr lang="en-US" altLang="zh-TW" smtClean="0"/>
-          </a:p>
-        </p:txBody>
-      </p:sp>
-    </p:spTree>
-  </p:cSld>
-  <p:clrMapOvr>
-    <a:masterClrMapping/>
-  </p:clrMapOvr>
-  <p:timing>
-    <p:tnLst>
-      <p:par>
-        <p:cTn id="1" dur="indefinite" restart="never" nodeType="tmRoot"/>
-      </p:par>
-    </p:tnLst>
-  </p:timing>
 </p:sld>
 </file>
 
